--- a/user_guide/images/framesoc_architecture.pptx
+++ b/user_guide/images/framesoc_architecture.pptx
@@ -288,7 +288,7 @@
           <a:p>
             <a:fld id="{B35CE066-72EF-4B53-B544-44CCFA1775A2}" type="datetimeFigureOut">
               <a:rPr lang="en-US" smtClean="0"/>
-              <a:t>12/15/2014</a:t>
+              <a:t>1/30/2015</a:t>
             </a:fld>
             <a:endParaRPr lang="en-US"/>
           </a:p>
@@ -453,7 +453,7 @@
           <a:p>
             <a:fld id="{B35CE066-72EF-4B53-B544-44CCFA1775A2}" type="datetimeFigureOut">
               <a:rPr lang="en-US" smtClean="0"/>
-              <a:t>12/15/2014</a:t>
+              <a:t>1/30/2015</a:t>
             </a:fld>
             <a:endParaRPr lang="en-US"/>
           </a:p>
@@ -628,7 +628,7 @@
           <a:p>
             <a:fld id="{B35CE066-72EF-4B53-B544-44CCFA1775A2}" type="datetimeFigureOut">
               <a:rPr lang="en-US" smtClean="0"/>
-              <a:t>12/15/2014</a:t>
+              <a:t>1/30/2015</a:t>
             </a:fld>
             <a:endParaRPr lang="en-US"/>
           </a:p>
@@ -793,7 +793,7 @@
           <a:p>
             <a:fld id="{B35CE066-72EF-4B53-B544-44CCFA1775A2}" type="datetimeFigureOut">
               <a:rPr lang="en-US" smtClean="0"/>
-              <a:t>12/15/2014</a:t>
+              <a:t>1/30/2015</a:t>
             </a:fld>
             <a:endParaRPr lang="en-US"/>
           </a:p>
@@ -1034,7 +1034,7 @@
           <a:p>
             <a:fld id="{B35CE066-72EF-4B53-B544-44CCFA1775A2}" type="datetimeFigureOut">
               <a:rPr lang="en-US" smtClean="0"/>
-              <a:t>12/15/2014</a:t>
+              <a:t>1/30/2015</a:t>
             </a:fld>
             <a:endParaRPr lang="en-US"/>
           </a:p>
@@ -1317,7 +1317,7 @@
           <a:p>
             <a:fld id="{B35CE066-72EF-4B53-B544-44CCFA1775A2}" type="datetimeFigureOut">
               <a:rPr lang="en-US" smtClean="0"/>
-              <a:t>12/15/2014</a:t>
+              <a:t>1/30/2015</a:t>
             </a:fld>
             <a:endParaRPr lang="en-US"/>
           </a:p>
@@ -1734,7 +1734,7 @@
           <a:p>
             <a:fld id="{B35CE066-72EF-4B53-B544-44CCFA1775A2}" type="datetimeFigureOut">
               <a:rPr lang="en-US" smtClean="0"/>
-              <a:t>12/15/2014</a:t>
+              <a:t>1/30/2015</a:t>
             </a:fld>
             <a:endParaRPr lang="en-US"/>
           </a:p>
@@ -1847,7 +1847,7 @@
           <a:p>
             <a:fld id="{B35CE066-72EF-4B53-B544-44CCFA1775A2}" type="datetimeFigureOut">
               <a:rPr lang="en-US" smtClean="0"/>
-              <a:t>12/15/2014</a:t>
+              <a:t>1/30/2015</a:t>
             </a:fld>
             <a:endParaRPr lang="en-US"/>
           </a:p>
@@ -1937,7 +1937,7 @@
           <a:p>
             <a:fld id="{B35CE066-72EF-4B53-B544-44CCFA1775A2}" type="datetimeFigureOut">
               <a:rPr lang="en-US" smtClean="0"/>
-              <a:t>12/15/2014</a:t>
+              <a:t>1/30/2015</a:t>
             </a:fld>
             <a:endParaRPr lang="en-US"/>
           </a:p>
@@ -2209,7 +2209,7 @@
           <a:p>
             <a:fld id="{B35CE066-72EF-4B53-B544-44CCFA1775A2}" type="datetimeFigureOut">
               <a:rPr lang="en-US" smtClean="0"/>
-              <a:t>12/15/2014</a:t>
+              <a:t>1/30/2015</a:t>
             </a:fld>
             <a:endParaRPr lang="en-US"/>
           </a:p>
@@ -2457,7 +2457,7 @@
           <a:p>
             <a:fld id="{B35CE066-72EF-4B53-B544-44CCFA1775A2}" type="datetimeFigureOut">
               <a:rPr lang="en-US" smtClean="0"/>
-              <a:t>12/15/2014</a:t>
+              <a:t>1/30/2015</a:t>
             </a:fld>
             <a:endParaRPr lang="en-US"/>
           </a:p>
@@ -2665,7 +2665,7 @@
           <a:p>
             <a:fld id="{B35CE066-72EF-4B53-B544-44CCFA1775A2}" type="datetimeFigureOut">
               <a:rPr lang="en-US" smtClean="0"/>
-              <a:t>12/15/2014</a:t>
+              <a:t>1/30/2015</a:t>
             </a:fld>
             <a:endParaRPr lang="en-US"/>
           </a:p>
@@ -3254,11 +3254,7 @@
             </a:r>
             <a:r>
               <a:rPr lang="en-US" sz="3200" b="1" dirty="0" smtClean="0"/>
-              <a:t> </a:t>
-            </a:r>
-            <a:r>
-              <a:rPr lang="en-US" sz="3200" b="1" dirty="0" smtClean="0"/>
-              <a:t>Workbench</a:t>
+              <a:t> Workbench</a:t>
             </a:r>
             <a:r>
               <a:rPr lang="en-US" sz="2000" i="1" dirty="0" smtClean="0"/>
@@ -3294,7 +3290,7 @@
         <p:spPr>
           <a:xfrm>
             <a:off x="3445619" y="713232"/>
-            <a:ext cx="2234564" cy="1396603"/>
+            <a:ext cx="2234564" cy="1396602"/>
           </a:xfrm>
           <a:prstGeom prst="rect">
             <a:avLst/>
